--- a/Lecture/[03]TruyXuatCam.pptx
+++ b/Lecture/[03]TruyXuatCam.pptx
@@ -6,9 +6,13 @@
   </p:sldMasterIdLst>
   <p:sldIdLst>
     <p:sldId id="256" r:id="rId2"/>
-    <p:sldId id="257" r:id="rId3"/>
-    <p:sldId id="258" r:id="rId4"/>
-    <p:sldId id="259" r:id="rId5"/>
+    <p:sldId id="261" r:id="rId3"/>
+    <p:sldId id="257" r:id="rId4"/>
+    <p:sldId id="258" r:id="rId5"/>
+    <p:sldId id="259" r:id="rId6"/>
+    <p:sldId id="260" r:id="rId7"/>
+    <p:sldId id="262" r:id="rId8"/>
+    <p:sldId id="263" r:id="rId9"/>
   </p:sldIdLst>
   <p:sldSz cx="12192000" cy="6858000"/>
   <p:notesSz cx="6858000" cy="9144000"/>
@@ -262,7 +266,7 @@
           <a:p>
             <a:fld id="{5BE48CDF-60A1-4D7F-83C8-511246DF8B0F}" type="datetimeFigureOut">
               <a:rPr lang="en-US" smtClean="0"/>
-              <a:t>3/18/2020</a:t>
+              <a:t>3/31/2020</a:t>
             </a:fld>
             <a:endParaRPr lang="en-US"/>
           </a:p>
@@ -460,7 +464,7 @@
           <a:p>
             <a:fld id="{5BE48CDF-60A1-4D7F-83C8-511246DF8B0F}" type="datetimeFigureOut">
               <a:rPr lang="en-US" smtClean="0"/>
-              <a:t>3/18/2020</a:t>
+              <a:t>3/31/2020</a:t>
             </a:fld>
             <a:endParaRPr lang="en-US"/>
           </a:p>
@@ -668,7 +672,7 @@
           <a:p>
             <a:fld id="{5BE48CDF-60A1-4D7F-83C8-511246DF8B0F}" type="datetimeFigureOut">
               <a:rPr lang="en-US" smtClean="0"/>
-              <a:t>3/18/2020</a:t>
+              <a:t>3/31/2020</a:t>
             </a:fld>
             <a:endParaRPr lang="en-US"/>
           </a:p>
@@ -866,7 +870,7 @@
           <a:p>
             <a:fld id="{5BE48CDF-60A1-4D7F-83C8-511246DF8B0F}" type="datetimeFigureOut">
               <a:rPr lang="en-US" smtClean="0"/>
-              <a:t>3/18/2020</a:t>
+              <a:t>3/31/2020</a:t>
             </a:fld>
             <a:endParaRPr lang="en-US"/>
           </a:p>
@@ -1141,7 +1145,7 @@
           <a:p>
             <a:fld id="{5BE48CDF-60A1-4D7F-83C8-511246DF8B0F}" type="datetimeFigureOut">
               <a:rPr lang="en-US" smtClean="0"/>
-              <a:t>3/18/2020</a:t>
+              <a:t>3/31/2020</a:t>
             </a:fld>
             <a:endParaRPr lang="en-US"/>
           </a:p>
@@ -1406,7 +1410,7 @@
           <a:p>
             <a:fld id="{5BE48CDF-60A1-4D7F-83C8-511246DF8B0F}" type="datetimeFigureOut">
               <a:rPr lang="en-US" smtClean="0"/>
-              <a:t>3/18/2020</a:t>
+              <a:t>3/31/2020</a:t>
             </a:fld>
             <a:endParaRPr lang="en-US"/>
           </a:p>
@@ -1818,7 +1822,7 @@
           <a:p>
             <a:fld id="{5BE48CDF-60A1-4D7F-83C8-511246DF8B0F}" type="datetimeFigureOut">
               <a:rPr lang="en-US" smtClean="0"/>
-              <a:t>3/18/2020</a:t>
+              <a:t>3/31/2020</a:t>
             </a:fld>
             <a:endParaRPr lang="en-US"/>
           </a:p>
@@ -1959,7 +1963,7 @@
           <a:p>
             <a:fld id="{5BE48CDF-60A1-4D7F-83C8-511246DF8B0F}" type="datetimeFigureOut">
               <a:rPr lang="en-US" smtClean="0"/>
-              <a:t>3/18/2020</a:t>
+              <a:t>3/31/2020</a:t>
             </a:fld>
             <a:endParaRPr lang="en-US"/>
           </a:p>
@@ -2072,7 +2076,7 @@
           <a:p>
             <a:fld id="{5BE48CDF-60A1-4D7F-83C8-511246DF8B0F}" type="datetimeFigureOut">
               <a:rPr lang="en-US" smtClean="0"/>
-              <a:t>3/18/2020</a:t>
+              <a:t>3/31/2020</a:t>
             </a:fld>
             <a:endParaRPr lang="en-US"/>
           </a:p>
@@ -2383,7 +2387,7 @@
           <a:p>
             <a:fld id="{5BE48CDF-60A1-4D7F-83C8-511246DF8B0F}" type="datetimeFigureOut">
               <a:rPr lang="en-US" smtClean="0"/>
-              <a:t>3/18/2020</a:t>
+              <a:t>3/31/2020</a:t>
             </a:fld>
             <a:endParaRPr lang="en-US"/>
           </a:p>
@@ -2671,7 +2675,7 @@
           <a:p>
             <a:fld id="{5BE48CDF-60A1-4D7F-83C8-511246DF8B0F}" type="datetimeFigureOut">
               <a:rPr lang="en-US" smtClean="0"/>
-              <a:t>3/18/2020</a:t>
+              <a:t>3/31/2020</a:t>
             </a:fld>
             <a:endParaRPr lang="en-US"/>
           </a:p>
@@ -2912,7 +2916,7 @@
           <a:p>
             <a:fld id="{5BE48CDF-60A1-4D7F-83C8-511246DF8B0F}" type="datetimeFigureOut">
               <a:rPr lang="en-US" smtClean="0"/>
-              <a:t>3/18/2020</a:t>
+              <a:t>3/31/2020</a:t>
             </a:fld>
             <a:endParaRPr lang="en-US"/>
           </a:p>
@@ -3429,7 +3433,7 @@
           <p:cNvPr id="2" name="Title 1">
             <a:extLst>
               <a:ext uri="{FF2B5EF4-FFF2-40B4-BE49-F238E27FC236}">
-                <a16:creationId xmlns:a16="http://schemas.microsoft.com/office/drawing/2014/main" id="{D5AF5D5F-75BC-4115-A67C-0563DF45AFA2}"/>
+                <a16:creationId xmlns:a16="http://schemas.microsoft.com/office/drawing/2014/main" id="{CF780FB8-DF72-4CD1-9FFE-14C9A664288E}"/>
               </a:ext>
             </a:extLst>
           </p:cNvPr>
@@ -3438,6 +3442,46 @@
           </p:cNvSpPr>
           <p:nvPr>
             <p:ph type="title"/>
+          </p:nvPr>
+        </p:nvSpPr>
+        <p:spPr/>
+        <p:txBody>
+          <a:bodyPr/>
+          <a:lstStyle/>
+          <a:p>
+            <a:r>
+              <a:rPr lang="en-US" dirty="0" err="1"/>
+              <a:t>Truy</a:t>
+            </a:r>
+            <a:r>
+              <a:rPr lang="en-US" dirty="0"/>
+              <a:t> </a:t>
+            </a:r>
+            <a:r>
+              <a:rPr lang="en-US" dirty="0" err="1"/>
+              <a:t>xuất</a:t>
+            </a:r>
+            <a:r>
+              <a:rPr lang="en-US" dirty="0"/>
+              <a:t> camera</a:t>
+            </a:r>
+          </a:p>
+        </p:txBody>
+      </p:sp>
+      <p:sp>
+        <p:nvSpPr>
+          <p:cNvPr id="3" name="Content Placeholder 2">
+            <a:extLst>
+              <a:ext uri="{FF2B5EF4-FFF2-40B4-BE49-F238E27FC236}">
+                <a16:creationId xmlns:a16="http://schemas.microsoft.com/office/drawing/2014/main" id="{455EF53B-C1BD-4E2E-8E90-79B4A9A514C5}"/>
+              </a:ext>
+            </a:extLst>
+          </p:cNvPr>
+          <p:cNvSpPr>
+            <a:spLocks noGrp="1"/>
+          </p:cNvSpPr>
+          <p:nvPr>
+            <p:ph idx="1"/>
           </p:nvPr>
         </p:nvSpPr>
         <p:spPr/>
@@ -3461,156 +3505,101 @@
               <a:rPr lang="en-US" dirty="0" err="1"/>
               <a:t>ớc</a:t>
             </a:r>
+            <a:r>
+              <a:rPr lang="en-US" dirty="0"/>
+              <a:t> </a:t>
+            </a:r>
+            <a:r>
+              <a:rPr lang="en-US" dirty="0" err="1"/>
+              <a:t>thực</a:t>
+            </a:r>
+            <a:r>
+              <a:rPr lang="en-US" dirty="0"/>
+              <a:t> </a:t>
+            </a:r>
+            <a:r>
+              <a:rPr lang="en-US" dirty="0" err="1"/>
+              <a:t>hiện</a:t>
+            </a:r>
+            <a:r>
+              <a:rPr lang="en-US" dirty="0"/>
+              <a:t> </a:t>
+            </a:r>
+            <a:r>
+              <a:rPr lang="en-US" dirty="0" err="1"/>
+              <a:t>để</a:t>
+            </a:r>
+            <a:r>
+              <a:rPr lang="en-US" dirty="0"/>
+              <a:t> </a:t>
+            </a:r>
+            <a:r>
+              <a:rPr lang="en-US" dirty="0" err="1"/>
+              <a:t>truy</a:t>
+            </a:r>
+            <a:r>
+              <a:rPr lang="en-US" dirty="0"/>
+              <a:t> </a:t>
+            </a:r>
+            <a:r>
+              <a:rPr lang="en-US" dirty="0" err="1"/>
+              <a:t>xuất</a:t>
+            </a:r>
+            <a:r>
+              <a:rPr lang="en-US" dirty="0"/>
+              <a:t> </a:t>
+            </a:r>
+            <a:r>
+              <a:rPr lang="en-US" dirty="0" err="1"/>
+              <a:t>Picam</a:t>
+            </a:r>
             <a:endParaRPr lang="en-US" dirty="0"/>
           </a:p>
-        </p:txBody>
-      </p:sp>
-      <p:sp>
-        <p:nvSpPr>
-          <p:cNvPr id="3" name="Content Placeholder 2">
-            <a:extLst>
-              <a:ext uri="{FF2B5EF4-FFF2-40B4-BE49-F238E27FC236}">
-                <a16:creationId xmlns:a16="http://schemas.microsoft.com/office/drawing/2014/main" id="{C0CB894E-9CC6-4977-82CC-614941420261}"/>
-              </a:ext>
-            </a:extLst>
-          </p:cNvPr>
-          <p:cNvSpPr>
-            <a:spLocks noGrp="1"/>
-          </p:cNvSpPr>
-          <p:nvPr>
-            <p:ph idx="1"/>
-          </p:nvPr>
-        </p:nvSpPr>
-        <p:spPr/>
-        <p:txBody>
-          <a:bodyPr/>
-          <a:lstStyle/>
-          <a:p>
-            <a:r>
-              <a:rPr lang="en-US" dirty="0" err="1"/>
-              <a:t>Khởi</a:t>
-            </a:r>
-            <a:r>
-              <a:rPr lang="en-US" dirty="0"/>
-              <a:t> </a:t>
-            </a:r>
-            <a:r>
-              <a:rPr lang="en-US" dirty="0" err="1"/>
-              <a:t>tao</a:t>
-            </a:r>
-            <a:r>
-              <a:rPr lang="en-US" dirty="0"/>
-              <a:t> </a:t>
-            </a:r>
-            <a:r>
-              <a:rPr lang="en-US" dirty="0" err="1"/>
-              <a:t>VideoStream</a:t>
-            </a:r>
-            <a:r>
-              <a:rPr lang="en-US" dirty="0"/>
-              <a:t> object. </a:t>
-            </a:r>
-            <a:r>
-              <a:rPr lang="en-US" dirty="0" err="1"/>
-              <a:t>VideoStream</a:t>
-            </a:r>
-            <a:r>
-              <a:rPr lang="en-US" dirty="0"/>
-              <a:t> clash </a:t>
-            </a:r>
-            <a:r>
-              <a:rPr lang="en-US" dirty="0" err="1"/>
-              <a:t>cung</a:t>
-            </a:r>
-            <a:r>
-              <a:rPr lang="en-US" dirty="0"/>
-              <a:t> </a:t>
-            </a:r>
-            <a:r>
-              <a:rPr lang="en-US" dirty="0" err="1"/>
-              <a:t>cấp</a:t>
-            </a:r>
-            <a:r>
-              <a:rPr lang="en-US" dirty="0"/>
-              <a:t> </a:t>
-            </a:r>
-            <a:r>
-              <a:rPr lang="en-US" dirty="0" err="1"/>
-              <a:t>bởi</a:t>
-            </a:r>
-            <a:r>
-              <a:rPr lang="en-US" dirty="0"/>
-              <a:t> </a:t>
-            </a:r>
-            <a:r>
-              <a:rPr lang="en-US" dirty="0" err="1"/>
-              <a:t>imutils</a:t>
-            </a:r>
-            <a:r>
-              <a:rPr lang="en-US" dirty="0"/>
-              <a:t>, tang </a:t>
-            </a:r>
-            <a:r>
-              <a:rPr lang="en-US" dirty="0" err="1"/>
-              <a:t>tốc</a:t>
-            </a:r>
-            <a:r>
-              <a:rPr lang="en-US" dirty="0"/>
-              <a:t> FPS </a:t>
-            </a:r>
-            <a:r>
-              <a:rPr lang="en-US" dirty="0" err="1"/>
-              <a:t>và</a:t>
-            </a:r>
-            <a:r>
-              <a:rPr lang="en-US" dirty="0"/>
-              <a:t> </a:t>
-            </a:r>
-            <a:r>
-              <a:rPr lang="en-US" dirty="0" err="1"/>
-              <a:t>giảm</a:t>
-            </a:r>
-            <a:r>
-              <a:rPr lang="en-US" dirty="0"/>
-              <a:t> delay </a:t>
-            </a:r>
-            <a:r>
-              <a:rPr lang="en-US" dirty="0" err="1"/>
-              <a:t>cho</a:t>
-            </a:r>
-            <a:r>
-              <a:rPr lang="en-US" dirty="0"/>
-              <a:t> CAM</a:t>
-            </a:r>
-          </a:p>
-          <a:p>
-            <a:r>
-              <a:rPr lang="en-US" dirty="0"/>
-              <a:t>Loop </a:t>
-            </a:r>
-            <a:r>
-              <a:rPr lang="en-US" dirty="0" err="1"/>
-              <a:t>đọc</a:t>
-            </a:r>
-            <a:r>
-              <a:rPr lang="en-US" dirty="0"/>
-              <a:t> </a:t>
-            </a:r>
-            <a:r>
-              <a:rPr lang="en-US" dirty="0" err="1"/>
-              <a:t>và</a:t>
-            </a:r>
-            <a:r>
-              <a:rPr lang="en-US" dirty="0"/>
-              <a:t> show frame </a:t>
-            </a:r>
+          <a:p>
+            <a:r>
+              <a:rPr lang="en-US" dirty="0" err="1"/>
+              <a:t>Những</a:t>
+            </a:r>
+            <a:r>
+              <a:rPr lang="en-US" dirty="0"/>
+              <a:t> </a:t>
+            </a:r>
+            <a:r>
+              <a:rPr lang="en-US" dirty="0" err="1"/>
+              <a:t>lỗi</a:t>
+            </a:r>
+            <a:r>
+              <a:rPr lang="en-US" dirty="0"/>
+              <a:t> </a:t>
+            </a:r>
+            <a:r>
+              <a:rPr lang="en-US" dirty="0" err="1"/>
+              <a:t>th</a:t>
+            </a:r>
+            <a:r>
+              <a:rPr lang="vi-VN" dirty="0"/>
+              <a:t>ư</a:t>
+            </a:r>
+            <a:r>
+              <a:rPr lang="en-US" dirty="0" err="1"/>
+              <a:t>ờng</a:t>
+            </a:r>
+            <a:r>
+              <a:rPr lang="en-US" dirty="0"/>
+              <a:t> </a:t>
+            </a:r>
+            <a:r>
+              <a:rPr lang="en-US" dirty="0" err="1"/>
+              <a:t>gặp</a:t>
+            </a:r>
+            <a:endParaRPr lang="en-US" dirty="0"/>
           </a:p>
         </p:txBody>
       </p:sp>
     </p:spTree>
     <p:extLst>
       <p:ext uri="{BB962C8B-B14F-4D97-AF65-F5344CB8AC3E}">
-        <p14:creationId xmlns:p14="http://schemas.microsoft.com/office/powerpoint/2010/main" val="3916189130"/>
+        <p14:creationId xmlns:p14="http://schemas.microsoft.com/office/powerpoint/2010/main" val="3999730202"/>
       </p:ext>
     </p:extLst>
   </p:cSld>
@@ -3642,7 +3631,7 @@
           <p:cNvPr id="2" name="Title 1">
             <a:extLst>
               <a:ext uri="{FF2B5EF4-FFF2-40B4-BE49-F238E27FC236}">
-                <a16:creationId xmlns:a16="http://schemas.microsoft.com/office/drawing/2014/main" id="{D3445F4F-868F-4B31-B5BD-946504A179AB}"/>
+                <a16:creationId xmlns:a16="http://schemas.microsoft.com/office/drawing/2014/main" id="{D5AF5D5F-75BC-4115-A67C-0563DF45AFA2}"/>
               </a:ext>
             </a:extLst>
           </p:cNvPr>
@@ -3660,51 +3649,186 @@
           <a:p>
             <a:r>
               <a:rPr lang="en-US" dirty="0" err="1"/>
+              <a:t>Các</a:t>
+            </a:r>
+            <a:r>
+              <a:rPr lang="en-US" dirty="0"/>
+              <a:t> b</a:t>
+            </a:r>
+            <a:r>
+              <a:rPr lang="vi-VN" dirty="0"/>
+              <a:t>ư</a:t>
+            </a:r>
+            <a:r>
+              <a:rPr lang="en-US" dirty="0" err="1"/>
+              <a:t>ớc</a:t>
+            </a:r>
+            <a:endParaRPr lang="en-US" dirty="0"/>
+          </a:p>
+        </p:txBody>
+      </p:sp>
+      <p:sp>
+        <p:nvSpPr>
+          <p:cNvPr id="3" name="Content Placeholder 2">
+            <a:extLst>
+              <a:ext uri="{FF2B5EF4-FFF2-40B4-BE49-F238E27FC236}">
+                <a16:creationId xmlns:a16="http://schemas.microsoft.com/office/drawing/2014/main" id="{C0CB894E-9CC6-4977-82CC-614941420261}"/>
+              </a:ext>
+            </a:extLst>
+          </p:cNvPr>
+          <p:cNvSpPr>
+            <a:spLocks noGrp="1"/>
+          </p:cNvSpPr>
+          <p:nvPr>
+            <p:ph idx="1"/>
+          </p:nvPr>
+        </p:nvSpPr>
+        <p:spPr/>
+        <p:txBody>
+          <a:bodyPr/>
+          <a:lstStyle/>
+          <a:p>
+            <a:r>
+              <a:rPr lang="en-US" dirty="0" err="1"/>
+              <a:t>Khởi</a:t>
+            </a:r>
+            <a:r>
+              <a:rPr lang="en-US" dirty="0"/>
+              <a:t> </a:t>
+            </a:r>
+            <a:r>
+              <a:rPr lang="en-US" dirty="0" err="1"/>
+              <a:t>tao</a:t>
+            </a:r>
+            <a:r>
+              <a:rPr lang="en-US" dirty="0"/>
+              <a:t> </a:t>
+            </a:r>
+            <a:r>
+              <a:rPr lang="en-US" dirty="0" err="1"/>
               <a:t>VideoStream</a:t>
             </a:r>
             <a:r>
               <a:rPr lang="en-US" dirty="0"/>
-              <a:t> class</a:t>
-            </a:r>
-          </a:p>
-        </p:txBody>
-      </p:sp>
-      <p:pic>
-        <p:nvPicPr>
-          <p:cNvPr id="4" name="Content Placeholder 3">
-            <a:extLst>
-              <a:ext uri="{FF2B5EF4-FFF2-40B4-BE49-F238E27FC236}">
-                <a16:creationId xmlns:a16="http://schemas.microsoft.com/office/drawing/2014/main" id="{9D45A8D3-CE24-4A01-A2DF-989CD6F24178}"/>
-              </a:ext>
-            </a:extLst>
-          </p:cNvPr>
-          <p:cNvPicPr>
-            <a:picLocks noGrp="1" noChangeAspect="1"/>
-          </p:cNvPicPr>
-          <p:nvPr>
-            <p:ph idx="1"/>
-          </p:nvPr>
-        </p:nvPicPr>
-        <p:blipFill>
-          <a:blip r:embed="rId2"/>
-          <a:stretch>
-            <a:fillRect/>
-          </a:stretch>
-        </p:blipFill>
-        <p:spPr>
-          <a:xfrm>
-            <a:off x="2014537" y="3044031"/>
-            <a:ext cx="8162925" cy="1914525"/>
-          </a:xfrm>
-          <a:prstGeom prst="rect">
-            <a:avLst/>
-          </a:prstGeom>
-        </p:spPr>
-      </p:pic>
+              <a:t> object. </a:t>
+            </a:r>
+            <a:r>
+              <a:rPr lang="en-US" dirty="0" err="1"/>
+              <a:t>VideoStream</a:t>
+            </a:r>
+            <a:r>
+              <a:rPr lang="en-US" dirty="0"/>
+              <a:t> class </a:t>
+            </a:r>
+            <a:r>
+              <a:rPr lang="en-US" dirty="0" err="1"/>
+              <a:t>cung</a:t>
+            </a:r>
+            <a:r>
+              <a:rPr lang="en-US" dirty="0"/>
+              <a:t> </a:t>
+            </a:r>
+            <a:r>
+              <a:rPr lang="en-US" dirty="0" err="1"/>
+              <a:t>cấp</a:t>
+            </a:r>
+            <a:r>
+              <a:rPr lang="en-US" dirty="0"/>
+              <a:t> </a:t>
+            </a:r>
+            <a:r>
+              <a:rPr lang="en-US" dirty="0" err="1"/>
+              <a:t>bởi</a:t>
+            </a:r>
+            <a:r>
+              <a:rPr lang="en-US" dirty="0"/>
+              <a:t> </a:t>
+            </a:r>
+            <a:r>
+              <a:rPr lang="en-US" dirty="0" err="1"/>
+              <a:t>imutils</a:t>
+            </a:r>
+            <a:r>
+              <a:rPr lang="en-US" dirty="0"/>
+              <a:t>, </a:t>
+            </a:r>
+            <a:r>
+              <a:rPr lang="en-US" dirty="0" err="1"/>
+              <a:t>giúp</a:t>
+            </a:r>
+            <a:r>
+              <a:rPr lang="en-US" dirty="0"/>
+              <a:t> </a:t>
+            </a:r>
+            <a:r>
+              <a:rPr lang="en-US" dirty="0" err="1"/>
+              <a:t>tăng</a:t>
+            </a:r>
+            <a:r>
+              <a:rPr lang="en-US" dirty="0"/>
+              <a:t> </a:t>
+            </a:r>
+            <a:r>
+              <a:rPr lang="en-US" dirty="0" err="1"/>
+              <a:t>tốc</a:t>
+            </a:r>
+            <a:r>
+              <a:rPr lang="en-US" dirty="0"/>
+              <a:t> FPS </a:t>
+            </a:r>
+            <a:r>
+              <a:rPr lang="en-US" dirty="0" err="1"/>
+              <a:t>và</a:t>
+            </a:r>
+            <a:r>
+              <a:rPr lang="en-US" dirty="0"/>
+              <a:t> </a:t>
+            </a:r>
+            <a:r>
+              <a:rPr lang="en-US" dirty="0" err="1"/>
+              <a:t>giảm</a:t>
+            </a:r>
+            <a:r>
+              <a:rPr lang="en-US" dirty="0"/>
+              <a:t> delay </a:t>
+            </a:r>
+            <a:r>
+              <a:rPr lang="en-US" dirty="0" err="1"/>
+              <a:t>cho</a:t>
+            </a:r>
+            <a:r>
+              <a:rPr lang="en-US" dirty="0"/>
+              <a:t> CAM</a:t>
+            </a:r>
+          </a:p>
+          <a:p>
+            <a:r>
+              <a:rPr lang="en-US" dirty="0"/>
+              <a:t>Loop </a:t>
+            </a:r>
+            <a:r>
+              <a:rPr lang="en-US" dirty="0" err="1"/>
+              <a:t>đọc</a:t>
+            </a:r>
+            <a:r>
+              <a:rPr lang="en-US" dirty="0"/>
+              <a:t> </a:t>
+            </a:r>
+            <a:r>
+              <a:rPr lang="en-US" dirty="0" err="1"/>
+              <a:t>và</a:t>
+            </a:r>
+            <a:r>
+              <a:rPr lang="en-US" dirty="0"/>
+              <a:t> show frame </a:t>
+            </a:r>
+          </a:p>
+        </p:txBody>
+      </p:sp>
     </p:spTree>
     <p:extLst>
       <p:ext uri="{BB962C8B-B14F-4D97-AF65-F5344CB8AC3E}">
-        <p14:creationId xmlns:p14="http://schemas.microsoft.com/office/powerpoint/2010/main" val="352264179"/>
+        <p14:creationId xmlns:p14="http://schemas.microsoft.com/office/powerpoint/2010/main" val="3916189130"/>
       </p:ext>
     </p:extLst>
   </p:cSld>
@@ -3736,7 +3860,7 @@
           <p:cNvPr id="2" name="Title 1">
             <a:extLst>
               <a:ext uri="{FF2B5EF4-FFF2-40B4-BE49-F238E27FC236}">
-                <a16:creationId xmlns:a16="http://schemas.microsoft.com/office/drawing/2014/main" id="{330DF845-1294-4FB1-B33D-4415B71BC98F}"/>
+                <a16:creationId xmlns:a16="http://schemas.microsoft.com/office/drawing/2014/main" id="{D3445F4F-868F-4B31-B5BD-946504A179AB}"/>
               </a:ext>
             </a:extLst>
           </p:cNvPr>
@@ -3754,38 +3878,53 @@
           <a:p>
             <a:r>
               <a:rPr lang="en-US" dirty="0" err="1"/>
-              <a:t>Đọc</a:t>
-            </a:r>
-            <a:r>
-              <a:rPr lang="en-US" dirty="0"/>
-              <a:t> frame </a:t>
-            </a:r>
-            <a:r>
-              <a:rPr lang="en-US" dirty="0" err="1"/>
-              <a:t>và</a:t>
-            </a:r>
-            <a:r>
-              <a:rPr lang="en-US" dirty="0"/>
-              <a:t> show</a:t>
-            </a:r>
+              <a:t>VideoStream</a:t>
+            </a:r>
+            <a:r>
+              <a:rPr lang="en-US" dirty="0"/>
+              <a:t> class</a:t>
+            </a:r>
+          </a:p>
+        </p:txBody>
+      </p:sp>
+      <p:sp>
+        <p:nvSpPr>
+          <p:cNvPr id="5" name="Content Placeholder 4">
+            <a:extLst>
+              <a:ext uri="{FF2B5EF4-FFF2-40B4-BE49-F238E27FC236}">
+                <a16:creationId xmlns:a16="http://schemas.microsoft.com/office/drawing/2014/main" id="{ADC03D87-1CF6-496B-A476-96C61F9EE41F}"/>
+              </a:ext>
+            </a:extLst>
+          </p:cNvPr>
+          <p:cNvSpPr>
+            <a:spLocks noGrp="1"/>
+          </p:cNvSpPr>
+          <p:nvPr>
+            <p:ph idx="1"/>
+          </p:nvPr>
+        </p:nvSpPr>
+        <p:spPr/>
+        <p:txBody>
+          <a:bodyPr/>
+          <a:lstStyle/>
+          <a:p>
+            <a:endParaRPr lang="en-US" dirty="0"/>
           </a:p>
         </p:txBody>
       </p:sp>
       <p:pic>
         <p:nvPicPr>
-          <p:cNvPr id="4" name="Content Placeholder 3">
-            <a:extLst>
-              <a:ext uri="{FF2B5EF4-FFF2-40B4-BE49-F238E27FC236}">
-                <a16:creationId xmlns:a16="http://schemas.microsoft.com/office/drawing/2014/main" id="{B38C11B2-D579-437A-9BCE-093232086DA4}"/>
+          <p:cNvPr id="6" name="Picture 5">
+            <a:extLst>
+              <a:ext uri="{FF2B5EF4-FFF2-40B4-BE49-F238E27FC236}">
+                <a16:creationId xmlns:a16="http://schemas.microsoft.com/office/drawing/2014/main" id="{F16F2DEF-AB1E-4B4A-8DA7-0CFCA979EEC3}"/>
               </a:ext>
             </a:extLst>
           </p:cNvPr>
           <p:cNvPicPr>
-            <a:picLocks noGrp="1" noChangeAspect="1"/>
+            <a:picLocks noChangeAspect="1"/>
           </p:cNvPicPr>
-          <p:nvPr>
-            <p:ph idx="1"/>
-          </p:nvPr>
+          <p:nvPr/>
         </p:nvPicPr>
         <p:blipFill>
           <a:blip r:embed="rId2"/>
@@ -3795,8 +3934,133 @@
         </p:blipFill>
         <p:spPr>
           <a:xfrm>
-            <a:off x="2379379" y="1825625"/>
-            <a:ext cx="7433241" cy="4351338"/>
+            <a:off x="862012" y="2724150"/>
+            <a:ext cx="10467975" cy="1409700"/>
+          </a:xfrm>
+          <a:prstGeom prst="rect">
+            <a:avLst/>
+          </a:prstGeom>
+        </p:spPr>
+      </p:pic>
+    </p:spTree>
+    <p:extLst>
+      <p:ext uri="{BB962C8B-B14F-4D97-AF65-F5344CB8AC3E}">
+        <p14:creationId xmlns:p14="http://schemas.microsoft.com/office/powerpoint/2010/main" val="352264179"/>
+      </p:ext>
+    </p:extLst>
+  </p:cSld>
+  <p:clrMapOvr>
+    <a:masterClrMapping/>
+  </p:clrMapOvr>
+</p:sld>
+</file>
+
+<file path=ppt/slides/slide5.xml><?xml version="1.0" encoding="utf-8"?>
+<p:sld xmlns:a="http://schemas.openxmlformats.org/drawingml/2006/main" xmlns:r="http://schemas.openxmlformats.org/officeDocument/2006/relationships" xmlns:p="http://schemas.openxmlformats.org/presentationml/2006/main">
+  <p:cSld>
+    <p:spTree>
+      <p:nvGrpSpPr>
+        <p:cNvPr id="1" name=""/>
+        <p:cNvGrpSpPr/>
+        <p:nvPr/>
+      </p:nvGrpSpPr>
+      <p:grpSpPr>
+        <a:xfrm>
+          <a:off x="0" y="0"/>
+          <a:ext cx="0" cy="0"/>
+          <a:chOff x="0" y="0"/>
+          <a:chExt cx="0" cy="0"/>
+        </a:xfrm>
+      </p:grpSpPr>
+      <p:sp>
+        <p:nvSpPr>
+          <p:cNvPr id="2" name="Title 1">
+            <a:extLst>
+              <a:ext uri="{FF2B5EF4-FFF2-40B4-BE49-F238E27FC236}">
+                <a16:creationId xmlns:a16="http://schemas.microsoft.com/office/drawing/2014/main" id="{330DF845-1294-4FB1-B33D-4415B71BC98F}"/>
+              </a:ext>
+            </a:extLst>
+          </p:cNvPr>
+          <p:cNvSpPr>
+            <a:spLocks noGrp="1"/>
+          </p:cNvSpPr>
+          <p:nvPr>
+            <p:ph type="title"/>
+          </p:nvPr>
+        </p:nvSpPr>
+        <p:spPr/>
+        <p:txBody>
+          <a:bodyPr/>
+          <a:lstStyle/>
+          <a:p>
+            <a:r>
+              <a:rPr lang="en-US" dirty="0" err="1"/>
+              <a:t>Đọc</a:t>
+            </a:r>
+            <a:r>
+              <a:rPr lang="en-US" dirty="0"/>
+              <a:t> frame </a:t>
+            </a:r>
+            <a:r>
+              <a:rPr lang="en-US" dirty="0" err="1"/>
+              <a:t>và</a:t>
+            </a:r>
+            <a:r>
+              <a:rPr lang="en-US" dirty="0"/>
+              <a:t> show</a:t>
+            </a:r>
+          </a:p>
+        </p:txBody>
+      </p:sp>
+      <p:sp>
+        <p:nvSpPr>
+          <p:cNvPr id="5" name="Content Placeholder 4">
+            <a:extLst>
+              <a:ext uri="{FF2B5EF4-FFF2-40B4-BE49-F238E27FC236}">
+                <a16:creationId xmlns:a16="http://schemas.microsoft.com/office/drawing/2014/main" id="{57C1423B-629B-4A3A-B73E-2209EF281686}"/>
+              </a:ext>
+            </a:extLst>
+          </p:cNvPr>
+          <p:cNvSpPr>
+            <a:spLocks noGrp="1"/>
+          </p:cNvSpPr>
+          <p:nvPr>
+            <p:ph idx="1"/>
+          </p:nvPr>
+        </p:nvSpPr>
+        <p:spPr/>
+        <p:txBody>
+          <a:bodyPr/>
+          <a:lstStyle/>
+          <a:p>
+            <a:endParaRPr lang="en-US"/>
+          </a:p>
+        </p:txBody>
+      </p:sp>
+      <p:pic>
+        <p:nvPicPr>
+          <p:cNvPr id="6" name="Picture 5">
+            <a:extLst>
+              <a:ext uri="{FF2B5EF4-FFF2-40B4-BE49-F238E27FC236}">
+                <a16:creationId xmlns:a16="http://schemas.microsoft.com/office/drawing/2014/main" id="{41019BC7-3AC3-4D52-A9A2-2E20F890BEF5}"/>
+              </a:ext>
+            </a:extLst>
+          </p:cNvPr>
+          <p:cNvPicPr>
+            <a:picLocks noChangeAspect="1"/>
+          </p:cNvPicPr>
+          <p:nvPr/>
+        </p:nvPicPr>
+        <p:blipFill>
+          <a:blip r:embed="rId2"/>
+          <a:stretch>
+            <a:fillRect/>
+          </a:stretch>
+        </p:blipFill>
+        <p:spPr>
+          <a:xfrm>
+            <a:off x="1948931" y="1825625"/>
+            <a:ext cx="7828035" cy="4351338"/>
           </a:xfrm>
           <a:prstGeom prst="rect">
             <a:avLst/>
@@ -3807,6 +4071,699 @@
     <p:extLst>
       <p:ext uri="{BB962C8B-B14F-4D97-AF65-F5344CB8AC3E}">
         <p14:creationId xmlns:p14="http://schemas.microsoft.com/office/powerpoint/2010/main" val="3224908344"/>
+      </p:ext>
+    </p:extLst>
+  </p:cSld>
+  <p:clrMapOvr>
+    <a:masterClrMapping/>
+  </p:clrMapOvr>
+</p:sld>
+</file>
+
+<file path=ppt/slides/slide6.xml><?xml version="1.0" encoding="utf-8"?>
+<p:sld xmlns:a="http://schemas.openxmlformats.org/drawingml/2006/main" xmlns:r="http://schemas.openxmlformats.org/officeDocument/2006/relationships" xmlns:p="http://schemas.openxmlformats.org/presentationml/2006/main">
+  <p:cSld>
+    <p:spTree>
+      <p:nvGrpSpPr>
+        <p:cNvPr id="1" name=""/>
+        <p:cNvGrpSpPr/>
+        <p:nvPr/>
+      </p:nvGrpSpPr>
+      <p:grpSpPr>
+        <a:xfrm>
+          <a:off x="0" y="0"/>
+          <a:ext cx="0" cy="0"/>
+          <a:chOff x="0" y="0"/>
+          <a:chExt cx="0" cy="0"/>
+        </a:xfrm>
+      </p:grpSpPr>
+      <p:sp>
+        <p:nvSpPr>
+          <p:cNvPr id="2" name="Title 1">
+            <a:extLst>
+              <a:ext uri="{FF2B5EF4-FFF2-40B4-BE49-F238E27FC236}">
+                <a16:creationId xmlns:a16="http://schemas.microsoft.com/office/drawing/2014/main" id="{CF4604B9-647D-4329-9317-48412B0E43D6}"/>
+              </a:ext>
+            </a:extLst>
+          </p:cNvPr>
+          <p:cNvSpPr>
+            <a:spLocks noGrp="1"/>
+          </p:cNvSpPr>
+          <p:nvPr>
+            <p:ph type="title"/>
+          </p:nvPr>
+        </p:nvSpPr>
+        <p:spPr/>
+        <p:txBody>
+          <a:bodyPr/>
+          <a:lstStyle/>
+          <a:p>
+            <a:r>
+              <a:rPr lang="en-US" dirty="0" err="1"/>
+              <a:t>Sửa</a:t>
+            </a:r>
+            <a:r>
+              <a:rPr lang="en-US" dirty="0"/>
+              <a:t> </a:t>
+            </a:r>
+            <a:r>
+              <a:rPr lang="en-US" dirty="0" err="1"/>
+              <a:t>những</a:t>
+            </a:r>
+            <a:r>
+              <a:rPr lang="en-US" dirty="0"/>
+              <a:t> </a:t>
+            </a:r>
+            <a:r>
+              <a:rPr lang="en-US" dirty="0" err="1"/>
+              <a:t>lỗi</a:t>
+            </a:r>
+            <a:r>
+              <a:rPr lang="en-US" dirty="0"/>
+              <a:t> </a:t>
+            </a:r>
+            <a:r>
+              <a:rPr lang="en-US" dirty="0" err="1"/>
+              <a:t>th</a:t>
+            </a:r>
+            <a:r>
+              <a:rPr lang="vi-VN" dirty="0"/>
+              <a:t>ư</a:t>
+            </a:r>
+            <a:r>
+              <a:rPr lang="en-US" dirty="0" err="1"/>
+              <a:t>ờng</a:t>
+            </a:r>
+            <a:r>
+              <a:rPr lang="en-US" dirty="0"/>
+              <a:t> </a:t>
+            </a:r>
+            <a:r>
+              <a:rPr lang="en-US" dirty="0" err="1"/>
+              <a:t>gặp</a:t>
+            </a:r>
+            <a:endParaRPr lang="en-US" dirty="0"/>
+          </a:p>
+        </p:txBody>
+      </p:sp>
+      <p:sp>
+        <p:nvSpPr>
+          <p:cNvPr id="3" name="Content Placeholder 2">
+            <a:extLst>
+              <a:ext uri="{FF2B5EF4-FFF2-40B4-BE49-F238E27FC236}">
+                <a16:creationId xmlns:a16="http://schemas.microsoft.com/office/drawing/2014/main" id="{0DFEE9BE-99BB-4D9F-9134-C63A4C1D6776}"/>
+              </a:ext>
+            </a:extLst>
+          </p:cNvPr>
+          <p:cNvSpPr>
+            <a:spLocks noGrp="1"/>
+          </p:cNvSpPr>
+          <p:nvPr>
+            <p:ph idx="1"/>
+          </p:nvPr>
+        </p:nvSpPr>
+        <p:spPr/>
+        <p:txBody>
+          <a:bodyPr/>
+          <a:lstStyle/>
+          <a:p>
+            <a:r>
+              <a:rPr lang="en-US" dirty="0" err="1"/>
+              <a:t>Đã</a:t>
+            </a:r>
+            <a:r>
+              <a:rPr lang="en-US" dirty="0"/>
+              <a:t> </a:t>
+            </a:r>
+            <a:r>
+              <a:rPr lang="en-US" dirty="0" err="1"/>
+              <a:t>bật</a:t>
+            </a:r>
+            <a:r>
+              <a:rPr lang="en-US" dirty="0"/>
+              <a:t> </a:t>
+            </a:r>
+            <a:r>
+              <a:rPr lang="en-US" dirty="0" err="1"/>
+              <a:t>Picam</a:t>
+            </a:r>
+            <a:r>
+              <a:rPr lang="en-US" dirty="0"/>
+              <a:t> </a:t>
+            </a:r>
+            <a:r>
+              <a:rPr lang="en-US" dirty="0" err="1"/>
+              <a:t>trong</a:t>
+            </a:r>
+            <a:r>
+              <a:rPr lang="en-US" dirty="0"/>
+              <a:t> </a:t>
+            </a:r>
+            <a:r>
+              <a:rPr lang="en-US" dirty="0" err="1"/>
+              <a:t>raspi</a:t>
+            </a:r>
+            <a:r>
+              <a:rPr lang="en-US" dirty="0"/>
+              <a:t>-config </a:t>
+            </a:r>
+            <a:r>
+              <a:rPr lang="en-US" dirty="0" err="1"/>
+              <a:t>ch</a:t>
+            </a:r>
+            <a:r>
+              <a:rPr lang="vi-VN" dirty="0"/>
+              <a:t>ư</a:t>
+            </a:r>
+            <a:r>
+              <a:rPr lang="en-US" dirty="0"/>
+              <a:t>a</a:t>
+            </a:r>
+          </a:p>
+          <a:p>
+            <a:r>
+              <a:rPr lang="en-US" dirty="0" err="1"/>
+              <a:t>Kiểm</a:t>
+            </a:r>
+            <a:r>
+              <a:rPr lang="en-US" dirty="0"/>
+              <a:t> </a:t>
+            </a:r>
+            <a:r>
+              <a:rPr lang="en-US" dirty="0" err="1"/>
+              <a:t>tra</a:t>
+            </a:r>
+            <a:r>
+              <a:rPr lang="en-US" dirty="0"/>
+              <a:t> cab </a:t>
+            </a:r>
+            <a:r>
+              <a:rPr lang="en-US" dirty="0" err="1"/>
+              <a:t>kết</a:t>
+            </a:r>
+            <a:r>
+              <a:rPr lang="en-US" dirty="0"/>
+              <a:t> </a:t>
+            </a:r>
+            <a:r>
+              <a:rPr lang="en-US" dirty="0" err="1"/>
+              <a:t>nối</a:t>
+            </a:r>
+            <a:r>
+              <a:rPr lang="en-US" dirty="0"/>
+              <a:t> </a:t>
+            </a:r>
+            <a:r>
+              <a:rPr lang="en-US" dirty="0" err="1"/>
+              <a:t>Picam</a:t>
+            </a:r>
+            <a:r>
+              <a:rPr lang="en-US" dirty="0"/>
+              <a:t> </a:t>
+            </a:r>
+            <a:r>
+              <a:rPr lang="en-US" dirty="0" err="1"/>
+              <a:t>và</a:t>
+            </a:r>
+            <a:r>
+              <a:rPr lang="en-US" dirty="0"/>
+              <a:t> board Pi</a:t>
+            </a:r>
+          </a:p>
+          <a:p>
+            <a:r>
+              <a:rPr lang="en-US" dirty="0"/>
+              <a:t>Run </a:t>
+            </a:r>
+            <a:r>
+              <a:rPr lang="en-US" dirty="0" err="1"/>
+              <a:t>ch</a:t>
+            </a:r>
+            <a:r>
+              <a:rPr lang="vi-VN" dirty="0"/>
+              <a:t>ư</a:t>
+            </a:r>
+            <a:r>
+              <a:rPr lang="en-US" dirty="0" err="1"/>
+              <a:t>ơng</a:t>
+            </a:r>
+            <a:r>
+              <a:rPr lang="en-US" dirty="0"/>
+              <a:t> </a:t>
+            </a:r>
+            <a:r>
+              <a:rPr lang="en-US" dirty="0" err="1"/>
+              <a:t>trình</a:t>
+            </a:r>
+            <a:r>
+              <a:rPr lang="en-US" dirty="0"/>
+              <a:t> test </a:t>
+            </a:r>
+            <a:r>
+              <a:rPr lang="en-US" dirty="0" err="1"/>
+              <a:t>nhanh</a:t>
+            </a:r>
+            <a:r>
+              <a:rPr lang="en-US" dirty="0"/>
+              <a:t> camera </a:t>
+            </a:r>
+            <a:r>
+              <a:rPr lang="en-US" dirty="0" err="1"/>
+              <a:t>với</a:t>
+            </a:r>
+            <a:r>
+              <a:rPr lang="en-US" dirty="0"/>
+              <a:t> </a:t>
+            </a:r>
+            <a:r>
+              <a:rPr lang="en-US" dirty="0" err="1"/>
+              <a:t>raspistill</a:t>
+            </a:r>
+            <a:endParaRPr lang="en-US" dirty="0"/>
+          </a:p>
+          <a:p>
+            <a:r>
+              <a:rPr lang="en-US" dirty="0" err="1"/>
+              <a:t>Kiểm</a:t>
+            </a:r>
+            <a:r>
+              <a:rPr lang="en-US" dirty="0"/>
+              <a:t> </a:t>
+            </a:r>
+            <a:r>
+              <a:rPr lang="en-US" dirty="0" err="1"/>
+              <a:t>tra</a:t>
+            </a:r>
+            <a:r>
+              <a:rPr lang="en-US" dirty="0"/>
+              <a:t> </a:t>
+            </a:r>
+            <a:r>
+              <a:rPr lang="en-US" dirty="0" err="1"/>
+              <a:t>tham</a:t>
+            </a:r>
+            <a:r>
+              <a:rPr lang="en-US" dirty="0"/>
+              <a:t> </a:t>
+            </a:r>
+            <a:r>
+              <a:rPr lang="en-US" dirty="0" err="1"/>
+              <a:t>số</a:t>
+            </a:r>
+            <a:r>
+              <a:rPr lang="en-US" dirty="0"/>
+              <a:t> </a:t>
+            </a:r>
+            <a:r>
+              <a:rPr lang="en-US" dirty="0" err="1"/>
+              <a:t>truyền</a:t>
+            </a:r>
+            <a:r>
+              <a:rPr lang="en-US" dirty="0"/>
+              <a:t> </a:t>
+            </a:r>
+            <a:r>
+              <a:rPr lang="en-US" dirty="0" err="1"/>
+              <a:t>vào</a:t>
+            </a:r>
+            <a:r>
+              <a:rPr lang="en-US" dirty="0"/>
+              <a:t> </a:t>
+            </a:r>
+            <a:r>
+              <a:rPr lang="en-US" dirty="0" err="1"/>
+              <a:t>khi</a:t>
+            </a:r>
+            <a:r>
+              <a:rPr lang="en-US" dirty="0"/>
+              <a:t> </a:t>
+            </a:r>
+            <a:r>
+              <a:rPr lang="en-US" dirty="0" err="1"/>
+              <a:t>khởi</a:t>
+            </a:r>
+            <a:r>
+              <a:rPr lang="en-US" dirty="0"/>
+              <a:t> </a:t>
+            </a:r>
+            <a:r>
+              <a:rPr lang="en-US" dirty="0" err="1"/>
+              <a:t>tạo</a:t>
+            </a:r>
+            <a:r>
+              <a:rPr lang="en-US" dirty="0"/>
+              <a:t> </a:t>
+            </a:r>
+            <a:r>
+              <a:rPr lang="en-US" dirty="0" err="1"/>
+              <a:t>VideoStream</a:t>
+            </a:r>
+            <a:r>
+              <a:rPr lang="en-US" dirty="0"/>
+              <a:t> object </a:t>
+            </a:r>
+            <a:r>
+              <a:rPr lang="en-US" dirty="0" err="1"/>
+              <a:t>có</a:t>
+            </a:r>
+            <a:r>
+              <a:rPr lang="en-US" dirty="0"/>
+              <a:t> </a:t>
+            </a:r>
+            <a:r>
+              <a:rPr lang="en-US" dirty="0" err="1"/>
+              <a:t>đúng</a:t>
+            </a:r>
+            <a:r>
+              <a:rPr lang="en-US" dirty="0"/>
+              <a:t> </a:t>
+            </a:r>
+            <a:r>
+              <a:rPr lang="en-US" dirty="0" err="1"/>
+              <a:t>dành</a:t>
+            </a:r>
+            <a:r>
+              <a:rPr lang="en-US" dirty="0"/>
+              <a:t> </a:t>
+            </a:r>
+            <a:r>
+              <a:rPr lang="en-US" dirty="0" err="1"/>
+              <a:t>cho</a:t>
+            </a:r>
+            <a:r>
+              <a:rPr lang="en-US" dirty="0"/>
+              <a:t> </a:t>
+            </a:r>
+            <a:r>
+              <a:rPr lang="en-US" dirty="0" err="1"/>
+              <a:t>Picam</a:t>
+            </a:r>
+            <a:r>
+              <a:rPr lang="en-US" dirty="0"/>
+              <a:t> hay </a:t>
+            </a:r>
+            <a:r>
+              <a:rPr lang="en-US" dirty="0" err="1"/>
+              <a:t>USBcam</a:t>
+            </a:r>
+            <a:endParaRPr lang="en-US" dirty="0"/>
+          </a:p>
+          <a:p>
+            <a:endParaRPr lang="en-US" dirty="0"/>
+          </a:p>
+        </p:txBody>
+      </p:sp>
+    </p:spTree>
+    <p:extLst>
+      <p:ext uri="{BB962C8B-B14F-4D97-AF65-F5344CB8AC3E}">
+        <p14:creationId xmlns:p14="http://schemas.microsoft.com/office/powerpoint/2010/main" val="1812468452"/>
+      </p:ext>
+    </p:extLst>
+  </p:cSld>
+  <p:clrMapOvr>
+    <a:masterClrMapping/>
+  </p:clrMapOvr>
+</p:sld>
+</file>
+
+<file path=ppt/slides/slide7.xml><?xml version="1.0" encoding="utf-8"?>
+<p:sld xmlns:a="http://schemas.openxmlformats.org/drawingml/2006/main" xmlns:r="http://schemas.openxmlformats.org/officeDocument/2006/relationships" xmlns:p="http://schemas.openxmlformats.org/presentationml/2006/main">
+  <p:cSld>
+    <p:spTree>
+      <p:nvGrpSpPr>
+        <p:cNvPr id="1" name=""/>
+        <p:cNvGrpSpPr/>
+        <p:nvPr/>
+      </p:nvGrpSpPr>
+      <p:grpSpPr>
+        <a:xfrm>
+          <a:off x="0" y="0"/>
+          <a:ext cx="0" cy="0"/>
+          <a:chOff x="0" y="0"/>
+          <a:chExt cx="0" cy="0"/>
+        </a:xfrm>
+      </p:grpSpPr>
+      <p:sp>
+        <p:nvSpPr>
+          <p:cNvPr id="4" name="Title 3">
+            <a:extLst>
+              <a:ext uri="{FF2B5EF4-FFF2-40B4-BE49-F238E27FC236}">
+                <a16:creationId xmlns:a16="http://schemas.microsoft.com/office/drawing/2014/main" id="{F10E10CF-07CB-4DBD-A76D-35EC364B9271}"/>
+              </a:ext>
+            </a:extLst>
+          </p:cNvPr>
+          <p:cNvSpPr>
+            <a:spLocks noGrp="1"/>
+          </p:cNvSpPr>
+          <p:nvPr>
+            <p:ph type="ctrTitle"/>
+          </p:nvPr>
+        </p:nvSpPr>
+        <p:spPr/>
+        <p:txBody>
+          <a:bodyPr/>
+          <a:lstStyle/>
+          <a:p>
+            <a:r>
+              <a:rPr lang="en-US" dirty="0" err="1"/>
+              <a:t>Chỉnh</a:t>
+            </a:r>
+            <a:r>
+              <a:rPr lang="en-US" dirty="0"/>
+              <a:t> </a:t>
+            </a:r>
+            <a:r>
+              <a:rPr lang="en-US" dirty="0" err="1"/>
+              <a:t>sửa</a:t>
+            </a:r>
+            <a:r>
+              <a:rPr lang="en-US" dirty="0"/>
+              <a:t> </a:t>
+            </a:r>
+            <a:r>
+              <a:rPr lang="en-US" dirty="0" err="1"/>
+              <a:t>thông</a:t>
+            </a:r>
+            <a:r>
+              <a:rPr lang="en-US" dirty="0"/>
+              <a:t> </a:t>
+            </a:r>
+            <a:r>
+              <a:rPr lang="en-US" dirty="0" err="1"/>
+              <a:t>số</a:t>
+            </a:r>
+            <a:r>
+              <a:rPr lang="en-US" dirty="0"/>
+              <a:t> </a:t>
+            </a:r>
+            <a:r>
+              <a:rPr lang="en-US" dirty="0" err="1"/>
+              <a:t>Picam</a:t>
+            </a:r>
+            <a:endParaRPr lang="en-US" dirty="0"/>
+          </a:p>
+        </p:txBody>
+      </p:sp>
+      <p:sp>
+        <p:nvSpPr>
+          <p:cNvPr id="5" name="Subtitle 4">
+            <a:extLst>
+              <a:ext uri="{FF2B5EF4-FFF2-40B4-BE49-F238E27FC236}">
+                <a16:creationId xmlns:a16="http://schemas.microsoft.com/office/drawing/2014/main" id="{D040B4B9-11AE-4A23-96EE-28832C37A6CA}"/>
+              </a:ext>
+            </a:extLst>
+          </p:cNvPr>
+          <p:cNvSpPr>
+            <a:spLocks noGrp="1"/>
+          </p:cNvSpPr>
+          <p:nvPr>
+            <p:ph type="subTitle" idx="1"/>
+          </p:nvPr>
+        </p:nvSpPr>
+        <p:spPr/>
+        <p:txBody>
+          <a:bodyPr/>
+          <a:lstStyle/>
+          <a:p>
+            <a:endParaRPr lang="en-US"/>
+          </a:p>
+        </p:txBody>
+      </p:sp>
+    </p:spTree>
+    <p:extLst>
+      <p:ext uri="{BB962C8B-B14F-4D97-AF65-F5344CB8AC3E}">
+        <p14:creationId xmlns:p14="http://schemas.microsoft.com/office/powerpoint/2010/main" val="2828197920"/>
+      </p:ext>
+    </p:extLst>
+  </p:cSld>
+  <p:clrMapOvr>
+    <a:masterClrMapping/>
+  </p:clrMapOvr>
+</p:sld>
+</file>
+
+<file path=ppt/slides/slide8.xml><?xml version="1.0" encoding="utf-8"?>
+<p:sld xmlns:a="http://schemas.openxmlformats.org/drawingml/2006/main" xmlns:r="http://schemas.openxmlformats.org/officeDocument/2006/relationships" xmlns:p="http://schemas.openxmlformats.org/presentationml/2006/main">
+  <p:cSld>
+    <p:spTree>
+      <p:nvGrpSpPr>
+        <p:cNvPr id="1" name=""/>
+        <p:cNvGrpSpPr/>
+        <p:nvPr/>
+      </p:nvGrpSpPr>
+      <p:grpSpPr>
+        <a:xfrm>
+          <a:off x="0" y="0"/>
+          <a:ext cx="0" cy="0"/>
+          <a:chOff x="0" y="0"/>
+          <a:chExt cx="0" cy="0"/>
+        </a:xfrm>
+      </p:grpSpPr>
+      <p:sp>
+        <p:nvSpPr>
+          <p:cNvPr id="2" name="Title 1">
+            <a:extLst>
+              <a:ext uri="{FF2B5EF4-FFF2-40B4-BE49-F238E27FC236}">
+                <a16:creationId xmlns:a16="http://schemas.microsoft.com/office/drawing/2014/main" id="{188816BC-4F1E-4A57-85A6-16D139889226}"/>
+              </a:ext>
+            </a:extLst>
+          </p:cNvPr>
+          <p:cNvSpPr>
+            <a:spLocks noGrp="1"/>
+          </p:cNvSpPr>
+          <p:nvPr>
+            <p:ph type="title"/>
+          </p:nvPr>
+        </p:nvSpPr>
+        <p:spPr/>
+        <p:txBody>
+          <a:bodyPr/>
+          <a:lstStyle/>
+          <a:p>
+            <a:r>
+              <a:rPr lang="en-US" dirty="0" err="1"/>
+              <a:t>Nội</a:t>
+            </a:r>
+            <a:r>
+              <a:rPr lang="en-US" dirty="0"/>
+              <a:t> dung </a:t>
+            </a:r>
+            <a:r>
+              <a:rPr lang="en-US" dirty="0" err="1"/>
+              <a:t>cần</a:t>
+            </a:r>
+            <a:r>
+              <a:rPr lang="en-US" dirty="0"/>
+              <a:t> </a:t>
+            </a:r>
+            <a:r>
+              <a:rPr lang="en-US" dirty="0" err="1"/>
+              <a:t>nắm</a:t>
+            </a:r>
+            <a:endParaRPr lang="en-US" dirty="0"/>
+          </a:p>
+        </p:txBody>
+      </p:sp>
+      <p:sp>
+        <p:nvSpPr>
+          <p:cNvPr id="3" name="Content Placeholder 2">
+            <a:extLst>
+              <a:ext uri="{FF2B5EF4-FFF2-40B4-BE49-F238E27FC236}">
+                <a16:creationId xmlns:a16="http://schemas.microsoft.com/office/drawing/2014/main" id="{04930B65-008E-4CD5-B82B-F23F630FAE67}"/>
+              </a:ext>
+            </a:extLst>
+          </p:cNvPr>
+          <p:cNvSpPr>
+            <a:spLocks noGrp="1"/>
+          </p:cNvSpPr>
+          <p:nvPr>
+            <p:ph idx="1"/>
+          </p:nvPr>
+        </p:nvSpPr>
+        <p:spPr/>
+        <p:txBody>
+          <a:bodyPr/>
+          <a:lstStyle/>
+          <a:p>
+            <a:r>
+              <a:rPr lang="en-US" dirty="0"/>
+              <a:t>Camera setting c</a:t>
+            </a:r>
+            <a:r>
+              <a:rPr lang="vi-VN" dirty="0"/>
+              <a:t>ơ</a:t>
+            </a:r>
+            <a:r>
+              <a:rPr lang="en-US" dirty="0"/>
+              <a:t> </a:t>
+            </a:r>
+            <a:r>
+              <a:rPr lang="en-US" dirty="0" err="1"/>
+              <a:t>bản</a:t>
+            </a:r>
+            <a:endParaRPr lang="en-US" dirty="0"/>
+          </a:p>
+          <a:p>
+            <a:r>
+              <a:rPr lang="en-US" dirty="0" err="1"/>
+              <a:t>Viết</a:t>
+            </a:r>
+            <a:r>
+              <a:rPr lang="en-US" dirty="0"/>
+              <a:t> Python script </a:t>
+            </a:r>
+            <a:r>
+              <a:rPr lang="en-US" dirty="0" err="1"/>
+              <a:t>để</a:t>
+            </a:r>
+            <a:r>
+              <a:rPr lang="en-US" dirty="0"/>
+              <a:t> </a:t>
+            </a:r>
+            <a:r>
+              <a:rPr lang="en-US" dirty="0" err="1"/>
+              <a:t>chỉnh</a:t>
+            </a:r>
+            <a:r>
+              <a:rPr lang="en-US" dirty="0"/>
+              <a:t> </a:t>
+            </a:r>
+            <a:r>
+              <a:rPr lang="en-US" dirty="0" err="1"/>
+              <a:t>sửa</a:t>
+            </a:r>
+            <a:r>
+              <a:rPr lang="en-US" dirty="0"/>
+              <a:t> </a:t>
+            </a:r>
+            <a:r>
+              <a:rPr lang="en-US" dirty="0" err="1"/>
+              <a:t>thông</a:t>
+            </a:r>
+            <a:r>
+              <a:rPr lang="en-US" dirty="0"/>
+              <a:t> </a:t>
+            </a:r>
+            <a:r>
+              <a:rPr lang="en-US" dirty="0" err="1"/>
+              <a:t>số</a:t>
+            </a:r>
+            <a:r>
+              <a:rPr lang="en-US" dirty="0"/>
+              <a:t> </a:t>
+            </a:r>
+            <a:r>
+              <a:rPr lang="en-US" dirty="0" err="1"/>
+              <a:t>Picam</a:t>
+            </a:r>
+            <a:endParaRPr lang="en-US" dirty="0"/>
+          </a:p>
+        </p:txBody>
+      </p:sp>
+    </p:spTree>
+    <p:extLst>
+      <p:ext uri="{BB962C8B-B14F-4D97-AF65-F5344CB8AC3E}">
+        <p14:creationId xmlns:p14="http://schemas.microsoft.com/office/powerpoint/2010/main" val="1511781000"/>
       </p:ext>
     </p:extLst>
   </p:cSld>
